--- a/DevSecOps Residency.pptx
+++ b/DevSecOps Residency.pptx
@@ -5,18 +5,22 @@
     <p:sldMasterId id="2147483673" r:id="rId1"/>
   </p:sldMasterIdLst>
   <p:notesMasterIdLst>
-    <p:notesMasterId r:id="rId8"/>
+    <p:notesMasterId r:id="rId12"/>
   </p:notesMasterIdLst>
   <p:handoutMasterIdLst>
-    <p:handoutMasterId r:id="rId9"/>
+    <p:handoutMasterId r:id="rId13"/>
   </p:handoutMasterIdLst>
   <p:sldIdLst>
     <p:sldId id="257" r:id="rId2"/>
-    <p:sldId id="258" r:id="rId3"/>
-    <p:sldId id="259" r:id="rId4"/>
-    <p:sldId id="260" r:id="rId5"/>
-    <p:sldId id="261" r:id="rId6"/>
-    <p:sldId id="262" r:id="rId7"/>
+    <p:sldId id="263" r:id="rId3"/>
+    <p:sldId id="258" r:id="rId4"/>
+    <p:sldId id="264" r:id="rId5"/>
+    <p:sldId id="265" r:id="rId6"/>
+    <p:sldId id="259" r:id="rId7"/>
+    <p:sldId id="260" r:id="rId8"/>
+    <p:sldId id="261" r:id="rId9"/>
+    <p:sldId id="262" r:id="rId10"/>
+    <p:sldId id="266" r:id="rId11"/>
   </p:sldIdLst>
   <p:sldSz cx="12192000" cy="6858000"/>
   <p:notesSz cx="7315200" cy="9601200"/>
@@ -121,11 +125,15 @@
         <p14:section name="Default Section" id="{05A36832-B452-42D4-AA74-EFE889AF6F40}">
           <p14:sldIdLst>
             <p14:sldId id="257"/>
+            <p14:sldId id="263"/>
             <p14:sldId id="258"/>
+            <p14:sldId id="264"/>
+            <p14:sldId id="265"/>
             <p14:sldId id="259"/>
             <p14:sldId id="260"/>
             <p14:sldId id="261"/>
             <p14:sldId id="262"/>
+            <p14:sldId id="266"/>
           </p14:sldIdLst>
         </p14:section>
       </p14:sectionLst>
@@ -245,7 +253,7 @@
           <a:p>
             <a:fld id="{A5765612-CE99-42A8-B19E-2DCF95ADD353}" type="datetimeFigureOut">
               <a:rPr lang="en-US" smtClean="0"/>
-              <a:t>11/14/2018</a:t>
+              <a:t>11/29/2018</a:t>
             </a:fld>
             <a:endParaRPr lang="en-US"/>
           </a:p>
@@ -411,7 +419,7 @@
           <a:p>
             <a:fld id="{C5926F13-8860-4BF8-8986-74B757D4DC7C}" type="datetimeFigureOut">
               <a:rPr lang="en-US" smtClean="0"/>
-              <a:t>11/14/2018</a:t>
+              <a:t>11/29/2018</a:t>
             </a:fld>
             <a:endParaRPr lang="en-US" dirty="0"/>
           </a:p>
@@ -3002,6 +3010,36 @@
 </p:sld>
 </file>
 
+<file path=ppt/slides/slide10.xml><?xml version="1.0" encoding="utf-8"?>
+<p:sld xmlns:a="http://schemas.openxmlformats.org/drawingml/2006/main" xmlns:r="http://schemas.openxmlformats.org/officeDocument/2006/relationships" xmlns:p="http://schemas.openxmlformats.org/presentationml/2006/main">
+  <p:cSld>
+    <p:spTree>
+      <p:nvGrpSpPr>
+        <p:cNvPr id="1" name=""/>
+        <p:cNvGrpSpPr/>
+        <p:nvPr/>
+      </p:nvGrpSpPr>
+      <p:grpSpPr>
+        <a:xfrm>
+          <a:off x="0" y="0"/>
+          <a:ext cx="0" cy="0"/>
+          <a:chOff x="0" y="0"/>
+          <a:chExt cx="0" cy="0"/>
+        </a:xfrm>
+      </p:grpSpPr>
+    </p:spTree>
+    <p:extLst>
+      <p:ext uri="{BB962C8B-B14F-4D97-AF65-F5344CB8AC3E}">
+        <p14:creationId xmlns:p14="http://schemas.microsoft.com/office/powerpoint/2010/main" val="3724771043"/>
+      </p:ext>
+    </p:extLst>
+  </p:cSld>
+  <p:clrMapOvr>
+    <a:masterClrMapping/>
+  </p:clrMapOvr>
+</p:sld>
+</file>
+
 <file path=ppt/slides/slide2.xml><?xml version="1.0" encoding="utf-8"?>
 <p:sld xmlns:a="http://schemas.openxmlformats.org/drawingml/2006/main" xmlns:r="http://schemas.openxmlformats.org/officeDocument/2006/relationships" xmlns:p="http://schemas.openxmlformats.org/presentationml/2006/main">
   <p:cSld>
@@ -3021,1101 +3059,79 @@
       </p:grpSpPr>
       <p:sp>
         <p:nvSpPr>
-          <p:cNvPr id="3" name="Rectangle 2"/>
-          <p:cNvSpPr/>
-          <p:nvPr/>
+          <p:cNvPr id="2" name="Title 1"/>
+          <p:cNvSpPr>
+            <a:spLocks noGrp="1"/>
+          </p:cNvSpPr>
+          <p:nvPr>
+            <p:ph type="title"/>
+          </p:nvPr>
+        </p:nvSpPr>
+        <p:spPr/>
+        <p:txBody>
+          <a:bodyPr/>
+          <a:lstStyle/>
+          <a:p>
+            <a:r>
+              <a:rPr lang="en-US" dirty="0" smtClean="0"/>
+              <a:t>User Requirements</a:t>
+            </a:r>
+            <a:endParaRPr lang="en-US" dirty="0"/>
+          </a:p>
+        </p:txBody>
+      </p:sp>
+      <p:sp>
+        <p:nvSpPr>
+          <p:cNvPr id="3" name="Content Placeholder 2"/>
+          <p:cNvSpPr>
+            <a:spLocks noGrp="1"/>
+          </p:cNvSpPr>
+          <p:nvPr>
+            <p:ph idx="1"/>
+          </p:nvPr>
         </p:nvSpPr>
         <p:spPr>
           <a:xfrm>
-            <a:off x="1447800" y="2667000"/>
-            <a:ext cx="1676400" cy="914400"/>
-          </a:xfrm>
-          <a:prstGeom prst="rect">
-            <a:avLst/>
-          </a:prstGeom>
-          <a:solidFill>
-            <a:srgbClr val="D9FFFC"/>
-          </a:solidFill>
-        </p:spPr>
-        <p:style>
-          <a:lnRef idx="2">
-            <a:schemeClr val="accent1">
-              <a:shade val="50000"/>
-            </a:schemeClr>
-          </a:lnRef>
-          <a:fillRef idx="1">
-            <a:schemeClr val="accent1"/>
-          </a:fillRef>
-          <a:effectRef idx="0">
-            <a:schemeClr val="accent1"/>
-          </a:effectRef>
-          <a:fontRef idx="minor">
-            <a:schemeClr val="lt1"/>
-          </a:fontRef>
-        </p:style>
-        <p:txBody>
-          <a:bodyPr rtlCol="0" anchor="ctr"/>
+            <a:off x="748632" y="1418122"/>
+            <a:ext cx="10346088" cy="4918269"/>
+          </a:xfrm>
+        </p:spPr>
+        <p:txBody>
+          <a:bodyPr/>
           <a:lstStyle/>
           <a:p>
-            <a:pPr algn="ctr"/>
-            <a:r>
-              <a:rPr lang="en-US" dirty="0" smtClean="0">
-                <a:solidFill>
-                  <a:srgbClr val="000000"/>
-                </a:solidFill>
-                <a:latin typeface="Arial Black" panose="020B0A04020102020204" pitchFamily="34" charset="0"/>
-              </a:rPr>
-              <a:t>HR UI</a:t>
-            </a:r>
-          </a:p>
-          <a:p>
-            <a:pPr algn="ctr"/>
-            <a:r>
-              <a:rPr lang="en-US" dirty="0" smtClean="0">
-                <a:solidFill>
-                  <a:srgbClr val="000000"/>
-                </a:solidFill>
-                <a:latin typeface="Arial Black" panose="020B0A04020102020204" pitchFamily="34" charset="0"/>
-              </a:rPr>
-              <a:t>(</a:t>
-            </a:r>
-            <a:r>
-              <a:rPr lang="en-US" dirty="0" err="1" smtClean="0">
-                <a:solidFill>
-                  <a:srgbClr val="000000"/>
-                </a:solidFill>
-                <a:latin typeface="Arial Black" panose="020B0A04020102020204" pitchFamily="34" charset="0"/>
-              </a:rPr>
-              <a:t>NodeJS</a:t>
-            </a:r>
-            <a:r>
-              <a:rPr lang="en-US" dirty="0" smtClean="0">
-                <a:solidFill>
-                  <a:srgbClr val="000000"/>
-                </a:solidFill>
-                <a:latin typeface="Arial Black" panose="020B0A04020102020204" pitchFamily="34" charset="0"/>
-              </a:rPr>
-              <a:t>)</a:t>
-            </a:r>
-            <a:endParaRPr lang="en-US" dirty="0">
-              <a:solidFill>
-                <a:srgbClr val="000000"/>
-              </a:solidFill>
-              <a:latin typeface="Arial Black" panose="020B0A04020102020204" pitchFamily="34" charset="0"/>
-            </a:endParaRPr>
-          </a:p>
-        </p:txBody>
-      </p:sp>
-      <p:sp>
-        <p:nvSpPr>
-          <p:cNvPr id="4" name="Rectangle 3"/>
-          <p:cNvSpPr/>
-          <p:nvPr/>
-        </p:nvSpPr>
-        <p:spPr>
-          <a:xfrm>
-            <a:off x="4114800" y="2667000"/>
-            <a:ext cx="2133600" cy="914400"/>
-          </a:xfrm>
-          <a:prstGeom prst="rect">
-            <a:avLst/>
-          </a:prstGeom>
-          <a:solidFill>
-            <a:srgbClr val="D9FFFC"/>
-          </a:solidFill>
-        </p:spPr>
-        <p:style>
-          <a:lnRef idx="2">
-            <a:schemeClr val="accent1">
-              <a:shade val="50000"/>
-            </a:schemeClr>
-          </a:lnRef>
-          <a:fillRef idx="1">
-            <a:schemeClr val="accent1"/>
-          </a:fillRef>
-          <a:effectRef idx="0">
-            <a:schemeClr val="accent1"/>
-          </a:effectRef>
-          <a:fontRef idx="minor">
-            <a:schemeClr val="lt1"/>
-          </a:fontRef>
-        </p:style>
-        <p:txBody>
-          <a:bodyPr rtlCol="0" anchor="ctr"/>
-          <a:lstStyle/>
-          <a:p>
-            <a:pPr algn="ctr"/>
-            <a:r>
-              <a:rPr lang="en-US" dirty="0" smtClean="0">
-                <a:solidFill>
-                  <a:srgbClr val="000000"/>
-                </a:solidFill>
-                <a:latin typeface="Arial Black" panose="020B0A04020102020204" pitchFamily="34" charset="0"/>
-              </a:rPr>
-              <a:t>HR Backend (Spring Boot)</a:t>
-            </a:r>
-            <a:endParaRPr lang="en-US" dirty="0">
-              <a:solidFill>
-                <a:srgbClr val="000000"/>
-              </a:solidFill>
-              <a:latin typeface="Arial Black" panose="020B0A04020102020204" pitchFamily="34" charset="0"/>
-            </a:endParaRPr>
-          </a:p>
-        </p:txBody>
-      </p:sp>
-      <p:sp>
-        <p:nvSpPr>
-          <p:cNvPr id="2" name="Can 1"/>
-          <p:cNvSpPr/>
-          <p:nvPr/>
-        </p:nvSpPr>
-        <p:spPr>
-          <a:xfrm>
-            <a:off x="7048500" y="2516124"/>
-            <a:ext cx="1295400" cy="1216152"/>
-          </a:xfrm>
-          <a:prstGeom prst="can">
-            <a:avLst/>
-          </a:prstGeom>
-        </p:spPr>
-        <p:style>
-          <a:lnRef idx="2">
-            <a:schemeClr val="accent1">
-              <a:shade val="50000"/>
-            </a:schemeClr>
-          </a:lnRef>
-          <a:fillRef idx="1">
-            <a:schemeClr val="accent1"/>
-          </a:fillRef>
-          <a:effectRef idx="0">
-            <a:schemeClr val="accent1"/>
-          </a:effectRef>
-          <a:fontRef idx="minor">
-            <a:schemeClr val="lt1"/>
-          </a:fontRef>
-        </p:style>
-        <p:txBody>
-          <a:bodyPr rtlCol="0" anchor="ctr"/>
-          <a:lstStyle/>
-          <a:p>
-            <a:pPr algn="ctr"/>
-            <a:r>
-              <a:rPr lang="en-US" dirty="0" smtClean="0">
-                <a:latin typeface="Arial Black" panose="020B0A04020102020204" pitchFamily="34" charset="0"/>
-              </a:rPr>
-              <a:t>MySQL</a:t>
-            </a:r>
-            <a:endParaRPr lang="en-US" dirty="0">
-              <a:latin typeface="Arial Black" panose="020B0A04020102020204" pitchFamily="34" charset="0"/>
-            </a:endParaRPr>
-          </a:p>
-        </p:txBody>
-      </p:sp>
-      <p:sp>
-        <p:nvSpPr>
-          <p:cNvPr id="6" name="Flowchart: Direct Access Storage 5"/>
-          <p:cNvSpPr/>
-          <p:nvPr/>
-        </p:nvSpPr>
-        <p:spPr>
-          <a:xfrm>
-            <a:off x="5257800" y="989193"/>
-            <a:ext cx="2286000" cy="685800"/>
-          </a:xfrm>
-          <a:prstGeom prst="flowChartMagneticDrum">
-            <a:avLst/>
-          </a:prstGeom>
-        </p:spPr>
-        <p:style>
-          <a:lnRef idx="2">
-            <a:schemeClr val="accent1">
-              <a:shade val="50000"/>
-            </a:schemeClr>
-          </a:lnRef>
-          <a:fillRef idx="1">
-            <a:schemeClr val="accent1"/>
-          </a:fillRef>
-          <a:effectRef idx="0">
-            <a:schemeClr val="accent1"/>
-          </a:effectRef>
-          <a:fontRef idx="minor">
-            <a:schemeClr val="lt1"/>
-          </a:fontRef>
-        </p:style>
-        <p:txBody>
-          <a:bodyPr rtlCol="0" anchor="ctr"/>
-          <a:lstStyle/>
-          <a:p>
-            <a:pPr algn="ctr"/>
-            <a:r>
-              <a:rPr lang="en-US" dirty="0" smtClean="0">
-                <a:latin typeface="Arial Black" panose="020B0A04020102020204" pitchFamily="34" charset="0"/>
-              </a:rPr>
-              <a:t>Active MQ</a:t>
-            </a:r>
-            <a:endParaRPr lang="en-US" dirty="0">
-              <a:latin typeface="Arial Black" panose="020B0A04020102020204" pitchFamily="34" charset="0"/>
-            </a:endParaRPr>
-          </a:p>
-        </p:txBody>
-      </p:sp>
-      <p:pic>
-        <p:nvPicPr>
-          <p:cNvPr id="7" name="Picture 6"/>
-          <p:cNvPicPr>
-            <a:picLocks noChangeAspect="1"/>
-          </p:cNvPicPr>
-          <p:nvPr/>
-        </p:nvPicPr>
-        <p:blipFill>
-          <a:blip r:embed="rId2" cstate="print">
-            <a:extLst>
-              <a:ext uri="{28A0092B-C50C-407E-A947-70E740481C1C}">
-                <a14:useLocalDpi xmlns:a14="http://schemas.microsoft.com/office/drawing/2010/main" val="0"/>
-              </a:ext>
-            </a:extLst>
-          </a:blip>
-          <a:stretch>
-            <a:fillRect/>
-          </a:stretch>
-        </p:blipFill>
-        <p:spPr>
-          <a:xfrm>
-            <a:off x="7696200" y="304800"/>
-            <a:ext cx="533400" cy="607376"/>
-          </a:xfrm>
-          <a:prstGeom prst="rect">
-            <a:avLst/>
-          </a:prstGeom>
-        </p:spPr>
-      </p:pic>
-      <p:pic>
-        <p:nvPicPr>
-          <p:cNvPr id="8" name="Picture 7"/>
-          <p:cNvPicPr>
-            <a:picLocks noChangeAspect="1"/>
-          </p:cNvPicPr>
-          <p:nvPr/>
-        </p:nvPicPr>
-        <p:blipFill>
-          <a:blip r:embed="rId2" cstate="print">
-            <a:extLst>
-              <a:ext uri="{28A0092B-C50C-407E-A947-70E740481C1C}">
-                <a14:useLocalDpi xmlns:a14="http://schemas.microsoft.com/office/drawing/2010/main" val="0"/>
-              </a:ext>
-            </a:extLst>
-          </a:blip>
-          <a:stretch>
-            <a:fillRect/>
-          </a:stretch>
-        </p:blipFill>
-        <p:spPr>
-          <a:xfrm>
-            <a:off x="304800" y="2820512"/>
-            <a:ext cx="533400" cy="607376"/>
-          </a:xfrm>
-          <a:prstGeom prst="rect">
-            <a:avLst/>
-          </a:prstGeom>
-        </p:spPr>
-      </p:pic>
-      <p:sp>
-        <p:nvSpPr>
-          <p:cNvPr id="9" name="Rectangle 8"/>
-          <p:cNvSpPr/>
-          <p:nvPr/>
-        </p:nvSpPr>
-        <p:spPr>
-          <a:xfrm rot="16200000">
-            <a:off x="7270299" y="2552699"/>
-            <a:ext cx="4661800" cy="1143001"/>
-          </a:xfrm>
-          <a:prstGeom prst="rect">
-            <a:avLst/>
-          </a:prstGeom>
-          <a:solidFill>
-            <a:srgbClr val="D9FFFC"/>
-          </a:solidFill>
-        </p:spPr>
-        <p:style>
-          <a:lnRef idx="2">
-            <a:schemeClr val="accent1">
-              <a:shade val="50000"/>
-            </a:schemeClr>
-          </a:lnRef>
-          <a:fillRef idx="1">
-            <a:schemeClr val="accent1"/>
-          </a:fillRef>
-          <a:effectRef idx="0">
-            <a:schemeClr val="accent1"/>
-          </a:effectRef>
-          <a:fontRef idx="minor">
-            <a:schemeClr val="lt1"/>
-          </a:fontRef>
-        </p:style>
-        <p:txBody>
-          <a:bodyPr rtlCol="0" anchor="ctr"/>
-          <a:lstStyle/>
-          <a:p>
-            <a:pPr algn="ctr"/>
-            <a:r>
-              <a:rPr lang="en-US" dirty="0" smtClean="0">
-                <a:solidFill>
-                  <a:srgbClr val="000000"/>
-                </a:solidFill>
-                <a:latin typeface="Arial Black" panose="020B0A04020102020204" pitchFamily="34" charset="0"/>
-              </a:rPr>
-              <a:t>HR Partner</a:t>
-            </a:r>
-          </a:p>
-          <a:p>
-            <a:pPr algn="ctr"/>
-            <a:r>
-              <a:rPr lang="en-US" dirty="0" smtClean="0">
-                <a:solidFill>
-                  <a:srgbClr val="000000"/>
-                </a:solidFill>
-                <a:latin typeface="Arial Black" panose="020B0A04020102020204" pitchFamily="34" charset="0"/>
-              </a:rPr>
-              <a:t>(Spring Boot)</a:t>
-            </a:r>
-            <a:endParaRPr lang="en-US" dirty="0">
-              <a:solidFill>
-                <a:srgbClr val="000000"/>
-              </a:solidFill>
-              <a:latin typeface="Arial Black" panose="020B0A04020102020204" pitchFamily="34" charset="0"/>
-            </a:endParaRPr>
-          </a:p>
-        </p:txBody>
-      </p:sp>
-      <p:sp>
-        <p:nvSpPr>
-          <p:cNvPr id="10" name="Flowchart: Direct Access Storage 9"/>
-          <p:cNvSpPr/>
-          <p:nvPr/>
-        </p:nvSpPr>
-        <p:spPr>
-          <a:xfrm>
-            <a:off x="5257800" y="4381383"/>
-            <a:ext cx="2286000" cy="685800"/>
-          </a:xfrm>
-          <a:prstGeom prst="flowChartMagneticDrum">
-            <a:avLst/>
-          </a:prstGeom>
-        </p:spPr>
-        <p:style>
-          <a:lnRef idx="2">
-            <a:schemeClr val="accent1">
-              <a:shade val="50000"/>
-            </a:schemeClr>
-          </a:lnRef>
-          <a:fillRef idx="1">
-            <a:schemeClr val="accent1"/>
-          </a:fillRef>
-          <a:effectRef idx="0">
-            <a:schemeClr val="accent1"/>
-          </a:effectRef>
-          <a:fontRef idx="minor">
-            <a:schemeClr val="lt1"/>
-          </a:fontRef>
-        </p:style>
-        <p:txBody>
-          <a:bodyPr rtlCol="0" anchor="ctr"/>
-          <a:lstStyle/>
-          <a:p>
-            <a:pPr algn="ctr"/>
-            <a:r>
-              <a:rPr lang="en-US" dirty="0" smtClean="0">
-                <a:latin typeface="Arial Black" panose="020B0A04020102020204" pitchFamily="34" charset="0"/>
-              </a:rPr>
-              <a:t>Active MQ</a:t>
-            </a:r>
-            <a:endParaRPr lang="en-US" dirty="0">
-              <a:latin typeface="Arial Black" panose="020B0A04020102020204" pitchFamily="34" charset="0"/>
-            </a:endParaRPr>
-          </a:p>
-        </p:txBody>
-      </p:sp>
-      <p:sp>
-        <p:nvSpPr>
-          <p:cNvPr id="11" name="Left Arrow 10"/>
-          <p:cNvSpPr/>
-          <p:nvPr/>
-        </p:nvSpPr>
-        <p:spPr>
-          <a:xfrm>
-            <a:off x="7696200" y="1089777"/>
-            <a:ext cx="978408" cy="484632"/>
-          </a:xfrm>
-          <a:prstGeom prst="leftArrow">
-            <a:avLst/>
-          </a:prstGeom>
-        </p:spPr>
-        <p:style>
-          <a:lnRef idx="2">
-            <a:schemeClr val="accent1">
-              <a:shade val="50000"/>
-            </a:schemeClr>
-          </a:lnRef>
-          <a:fillRef idx="1">
-            <a:schemeClr val="accent1"/>
-          </a:fillRef>
-          <a:effectRef idx="0">
-            <a:schemeClr val="accent1"/>
-          </a:effectRef>
-          <a:fontRef idx="minor">
-            <a:schemeClr val="lt1"/>
-          </a:fontRef>
-        </p:style>
-        <p:txBody>
-          <a:bodyPr rtlCol="0" anchor="ctr"/>
-          <a:lstStyle/>
-          <a:p>
-            <a:pPr algn="ctr"/>
-            <a:endParaRPr lang="en-US"/>
-          </a:p>
-        </p:txBody>
-      </p:sp>
-      <p:sp>
-        <p:nvSpPr>
-          <p:cNvPr id="12" name="Flowchart: Document 11"/>
-          <p:cNvSpPr/>
-          <p:nvPr/>
-        </p:nvSpPr>
-        <p:spPr>
-          <a:xfrm>
-            <a:off x="7811436" y="1615266"/>
-            <a:ext cx="950626" cy="900857"/>
-          </a:xfrm>
-          <a:prstGeom prst="flowChartDocument">
-            <a:avLst/>
-          </a:prstGeom>
-          <a:noFill/>
-        </p:spPr>
-        <p:style>
-          <a:lnRef idx="2">
-            <a:schemeClr val="accent1">
-              <a:shade val="50000"/>
-            </a:schemeClr>
-          </a:lnRef>
-          <a:fillRef idx="1">
-            <a:schemeClr val="accent1"/>
-          </a:fillRef>
-          <a:effectRef idx="0">
-            <a:schemeClr val="accent1"/>
-          </a:effectRef>
-          <a:fontRef idx="minor">
-            <a:schemeClr val="lt1"/>
-          </a:fontRef>
-        </p:style>
-        <p:txBody>
-          <a:bodyPr rtlCol="0" anchor="ctr"/>
-          <a:lstStyle/>
-          <a:p>
-            <a:pPr algn="ctr"/>
-            <a:endParaRPr lang="en-US"/>
-          </a:p>
-        </p:txBody>
-      </p:sp>
-      <p:sp>
-        <p:nvSpPr>
-          <p:cNvPr id="14" name="Right Arrow 13"/>
-          <p:cNvSpPr/>
-          <p:nvPr/>
-        </p:nvSpPr>
-        <p:spPr>
-          <a:xfrm>
-            <a:off x="7783654" y="4481967"/>
-            <a:ext cx="978408" cy="484632"/>
-          </a:xfrm>
-          <a:prstGeom prst="rightArrow">
-            <a:avLst/>
-          </a:prstGeom>
-        </p:spPr>
-        <p:style>
-          <a:lnRef idx="2">
-            <a:schemeClr val="accent1">
-              <a:shade val="50000"/>
-            </a:schemeClr>
-          </a:lnRef>
-          <a:fillRef idx="1">
-            <a:schemeClr val="accent1"/>
-          </a:fillRef>
-          <a:effectRef idx="0">
-            <a:schemeClr val="accent1"/>
-          </a:effectRef>
-          <a:fontRef idx="minor">
-            <a:schemeClr val="lt1"/>
-          </a:fontRef>
-        </p:style>
-        <p:txBody>
-          <a:bodyPr rtlCol="0" anchor="ctr"/>
-          <a:lstStyle/>
-          <a:p>
-            <a:pPr algn="ctr"/>
-            <a:endParaRPr lang="en-US"/>
-          </a:p>
-        </p:txBody>
-      </p:sp>
-      <p:pic>
-        <p:nvPicPr>
-          <p:cNvPr id="16" name="Picture 15"/>
-          <p:cNvPicPr>
-            <a:picLocks noChangeAspect="1"/>
-          </p:cNvPicPr>
-          <p:nvPr/>
-        </p:nvPicPr>
-        <p:blipFill>
-          <a:blip r:embed="rId3"/>
-          <a:stretch>
-            <a:fillRect/>
-          </a:stretch>
-        </p:blipFill>
-        <p:spPr>
-          <a:xfrm>
-            <a:off x="7851266" y="1653414"/>
-            <a:ext cx="685800" cy="683065"/>
-          </a:xfrm>
-          <a:prstGeom prst="rect">
-            <a:avLst/>
-          </a:prstGeom>
-        </p:spPr>
-      </p:pic>
-      <p:sp>
-        <p:nvSpPr>
-          <p:cNvPr id="17" name="Flowchart: Document 16"/>
-          <p:cNvSpPr/>
-          <p:nvPr/>
-        </p:nvSpPr>
-        <p:spPr>
-          <a:xfrm>
-            <a:off x="7771607" y="5094949"/>
-            <a:ext cx="950626" cy="900857"/>
-          </a:xfrm>
-          <a:prstGeom prst="flowChartDocument">
-            <a:avLst/>
-          </a:prstGeom>
-          <a:noFill/>
-        </p:spPr>
-        <p:style>
-          <a:lnRef idx="2">
-            <a:schemeClr val="accent1">
-              <a:shade val="50000"/>
-            </a:schemeClr>
-          </a:lnRef>
-          <a:fillRef idx="1">
-            <a:schemeClr val="accent1"/>
-          </a:fillRef>
-          <a:effectRef idx="0">
-            <a:schemeClr val="accent1"/>
-          </a:effectRef>
-          <a:fontRef idx="minor">
-            <a:schemeClr val="lt1"/>
-          </a:fontRef>
-        </p:style>
-        <p:txBody>
-          <a:bodyPr rtlCol="0" anchor="ctr"/>
-          <a:lstStyle/>
-          <a:p>
-            <a:pPr algn="ctr"/>
-            <a:endParaRPr lang="en-US"/>
-          </a:p>
-        </p:txBody>
-      </p:sp>
-      <p:pic>
-        <p:nvPicPr>
-          <p:cNvPr id="18" name="Picture 17"/>
-          <p:cNvPicPr>
-            <a:picLocks noChangeAspect="1"/>
-          </p:cNvPicPr>
-          <p:nvPr/>
-        </p:nvPicPr>
-        <p:blipFill>
-          <a:blip r:embed="rId3"/>
-          <a:stretch>
-            <a:fillRect/>
-          </a:stretch>
-        </p:blipFill>
-        <p:spPr>
-          <a:xfrm>
-            <a:off x="7851266" y="5246360"/>
-            <a:ext cx="600428" cy="598033"/>
-          </a:xfrm>
-          <a:prstGeom prst="rect">
-            <a:avLst/>
-          </a:prstGeom>
-        </p:spPr>
-      </p:pic>
-      <p:sp>
-        <p:nvSpPr>
-          <p:cNvPr id="19" name="Bent-Up Arrow 18"/>
-          <p:cNvSpPr/>
-          <p:nvPr/>
-        </p:nvSpPr>
-        <p:spPr>
-          <a:xfrm rot="10800000">
-            <a:off x="4361980" y="1276041"/>
-            <a:ext cx="743420" cy="1240081"/>
-          </a:xfrm>
-          <a:prstGeom prst="bentUpArrow">
-            <a:avLst/>
-          </a:prstGeom>
-        </p:spPr>
-        <p:style>
-          <a:lnRef idx="2">
-            <a:schemeClr val="accent1">
-              <a:shade val="50000"/>
-            </a:schemeClr>
-          </a:lnRef>
-          <a:fillRef idx="1">
-            <a:schemeClr val="accent1"/>
-          </a:fillRef>
-          <a:effectRef idx="0">
-            <a:schemeClr val="accent1"/>
-          </a:effectRef>
-          <a:fontRef idx="minor">
-            <a:schemeClr val="lt1"/>
-          </a:fontRef>
-        </p:style>
-        <p:txBody>
-          <a:bodyPr rtlCol="0" anchor="ctr"/>
-          <a:lstStyle/>
-          <a:p>
-            <a:pPr algn="ctr"/>
-            <a:endParaRPr lang="en-US"/>
-          </a:p>
-        </p:txBody>
-      </p:sp>
-      <p:sp>
-        <p:nvSpPr>
-          <p:cNvPr id="20" name="Bent-Up Arrow 19"/>
-          <p:cNvSpPr/>
-          <p:nvPr/>
-        </p:nvSpPr>
-        <p:spPr>
-          <a:xfrm rot="5400000">
-            <a:off x="4194179" y="3957698"/>
-            <a:ext cx="1212840" cy="762000"/>
-          </a:xfrm>
-          <a:prstGeom prst="bentUpArrow">
-            <a:avLst/>
-          </a:prstGeom>
-        </p:spPr>
-        <p:style>
-          <a:lnRef idx="2">
-            <a:schemeClr val="accent1">
-              <a:shade val="50000"/>
-            </a:schemeClr>
-          </a:lnRef>
-          <a:fillRef idx="1">
-            <a:schemeClr val="accent1"/>
-          </a:fillRef>
-          <a:effectRef idx="0">
-            <a:schemeClr val="accent1"/>
-          </a:effectRef>
-          <a:fontRef idx="minor">
-            <a:schemeClr val="lt1"/>
-          </a:fontRef>
-        </p:style>
-        <p:txBody>
-          <a:bodyPr rtlCol="0" anchor="ctr"/>
-          <a:lstStyle/>
-          <a:p>
-            <a:pPr algn="ctr"/>
-            <a:endParaRPr lang="en-US"/>
-          </a:p>
-        </p:txBody>
-      </p:sp>
-      <p:sp>
-        <p:nvSpPr>
-          <p:cNvPr id="21" name="Left Arrow 20"/>
-          <p:cNvSpPr/>
-          <p:nvPr/>
-        </p:nvSpPr>
-        <p:spPr>
-          <a:xfrm>
-            <a:off x="3159368" y="2820512"/>
-            <a:ext cx="902208" cy="484632"/>
-          </a:xfrm>
-          <a:prstGeom prst="leftArrow">
-            <a:avLst/>
-          </a:prstGeom>
-        </p:spPr>
-        <p:style>
-          <a:lnRef idx="2">
-            <a:schemeClr val="accent1">
-              <a:shade val="50000"/>
-            </a:schemeClr>
-          </a:lnRef>
-          <a:fillRef idx="1">
-            <a:schemeClr val="accent1"/>
-          </a:fillRef>
-          <a:effectRef idx="0">
-            <a:schemeClr val="accent1"/>
-          </a:effectRef>
-          <a:fontRef idx="minor">
-            <a:schemeClr val="lt1"/>
-          </a:fontRef>
-        </p:style>
-        <p:txBody>
-          <a:bodyPr rtlCol="0" anchor="ctr"/>
-          <a:lstStyle/>
-          <a:p>
-            <a:pPr algn="ctr"/>
-            <a:endParaRPr lang="en-US"/>
-          </a:p>
-        </p:txBody>
-      </p:sp>
-      <p:sp>
-        <p:nvSpPr>
-          <p:cNvPr id="22" name="Right Arrow 21"/>
-          <p:cNvSpPr/>
-          <p:nvPr/>
-        </p:nvSpPr>
-        <p:spPr>
-          <a:xfrm>
-            <a:off x="6301624" y="2820512"/>
-            <a:ext cx="746874" cy="484632"/>
-          </a:xfrm>
-          <a:prstGeom prst="rightArrow">
-            <a:avLst/>
-          </a:prstGeom>
-        </p:spPr>
-        <p:style>
-          <a:lnRef idx="2">
-            <a:schemeClr val="accent1">
-              <a:shade val="50000"/>
-            </a:schemeClr>
-          </a:lnRef>
-          <a:fillRef idx="1">
-            <a:schemeClr val="accent1"/>
-          </a:fillRef>
-          <a:effectRef idx="0">
-            <a:schemeClr val="accent1"/>
-          </a:effectRef>
-          <a:fontRef idx="minor">
-            <a:schemeClr val="lt1"/>
-          </a:fontRef>
-        </p:style>
-        <p:txBody>
-          <a:bodyPr rtlCol="0" anchor="ctr"/>
-          <a:lstStyle/>
-          <a:p>
-            <a:pPr algn="ctr"/>
-            <a:endParaRPr lang="en-US"/>
-          </a:p>
-        </p:txBody>
-      </p:sp>
-      <p:sp>
-        <p:nvSpPr>
-          <p:cNvPr id="23" name="Flowchart: Connector 22"/>
-          <p:cNvSpPr/>
-          <p:nvPr/>
-        </p:nvSpPr>
-        <p:spPr>
-          <a:xfrm>
-            <a:off x="8198626" y="617461"/>
-            <a:ext cx="457200" cy="457200"/>
-          </a:xfrm>
-          <a:prstGeom prst="flowChartConnector">
-            <a:avLst/>
-          </a:prstGeom>
-          <a:solidFill>
-            <a:srgbClr val="00B050"/>
-          </a:solidFill>
-        </p:spPr>
-        <p:style>
-          <a:lnRef idx="2">
-            <a:schemeClr val="accent1">
-              <a:shade val="50000"/>
-            </a:schemeClr>
-          </a:lnRef>
-          <a:fillRef idx="1">
-            <a:schemeClr val="accent1"/>
-          </a:fillRef>
-          <a:effectRef idx="0">
-            <a:schemeClr val="accent1"/>
-          </a:effectRef>
-          <a:fontRef idx="minor">
-            <a:schemeClr val="lt1"/>
-          </a:fontRef>
-        </p:style>
-        <p:txBody>
-          <a:bodyPr rtlCol="0" anchor="ctr"/>
-          <a:lstStyle/>
-          <a:p>
-            <a:pPr algn="ctr"/>
-            <a:r>
-              <a:rPr lang="en-US" dirty="0" smtClean="0">
-                <a:latin typeface="Arial Black" panose="020B0A04020102020204" pitchFamily="34" charset="0"/>
-              </a:rPr>
-              <a:t>1</a:t>
-            </a:r>
-            <a:endParaRPr lang="en-US" dirty="0">
-              <a:latin typeface="Arial Black" panose="020B0A04020102020204" pitchFamily="34" charset="0"/>
-            </a:endParaRPr>
-          </a:p>
-        </p:txBody>
-      </p:sp>
-      <p:sp>
-        <p:nvSpPr>
-          <p:cNvPr id="24" name="Flowchart: Connector 23"/>
-          <p:cNvSpPr/>
-          <p:nvPr/>
-        </p:nvSpPr>
-        <p:spPr>
-          <a:xfrm>
-            <a:off x="4724400" y="1638417"/>
-            <a:ext cx="457200" cy="457200"/>
-          </a:xfrm>
-          <a:prstGeom prst="flowChartConnector">
-            <a:avLst/>
-          </a:prstGeom>
-          <a:solidFill>
-            <a:srgbClr val="00B050"/>
-          </a:solidFill>
-        </p:spPr>
-        <p:style>
-          <a:lnRef idx="2">
-            <a:schemeClr val="accent1">
-              <a:shade val="50000"/>
-            </a:schemeClr>
-          </a:lnRef>
-          <a:fillRef idx="1">
-            <a:schemeClr val="accent1"/>
-          </a:fillRef>
-          <a:effectRef idx="0">
-            <a:schemeClr val="accent1"/>
-          </a:effectRef>
-          <a:fontRef idx="minor">
-            <a:schemeClr val="lt1"/>
-          </a:fontRef>
-        </p:style>
-        <p:txBody>
-          <a:bodyPr rtlCol="0" anchor="ctr"/>
-          <a:lstStyle/>
-          <a:p>
-            <a:pPr algn="ctr"/>
-            <a:r>
-              <a:rPr lang="en-US" dirty="0" smtClean="0">
-                <a:latin typeface="Arial Black" panose="020B0A04020102020204" pitchFamily="34" charset="0"/>
-              </a:rPr>
-              <a:t>2</a:t>
-            </a:r>
-            <a:endParaRPr lang="en-US" dirty="0">
-              <a:latin typeface="Arial Black" panose="020B0A04020102020204" pitchFamily="34" charset="0"/>
-            </a:endParaRPr>
-          </a:p>
-        </p:txBody>
-      </p:sp>
-      <p:sp>
-        <p:nvSpPr>
-          <p:cNvPr id="25" name="Flowchart: Connector 24"/>
-          <p:cNvSpPr/>
-          <p:nvPr/>
-        </p:nvSpPr>
-        <p:spPr>
-          <a:xfrm>
-            <a:off x="6316136" y="2294032"/>
-            <a:ext cx="457200" cy="457200"/>
-          </a:xfrm>
-          <a:prstGeom prst="flowChartConnector">
-            <a:avLst/>
-          </a:prstGeom>
-          <a:solidFill>
-            <a:srgbClr val="00B050"/>
-          </a:solidFill>
-        </p:spPr>
-        <p:style>
-          <a:lnRef idx="2">
-            <a:schemeClr val="accent1">
-              <a:shade val="50000"/>
-            </a:schemeClr>
-          </a:lnRef>
-          <a:fillRef idx="1">
-            <a:schemeClr val="accent1"/>
-          </a:fillRef>
-          <a:effectRef idx="0">
-            <a:schemeClr val="accent1"/>
-          </a:effectRef>
-          <a:fontRef idx="minor">
-            <a:schemeClr val="lt1"/>
-          </a:fontRef>
-        </p:style>
-        <p:txBody>
-          <a:bodyPr rtlCol="0" anchor="ctr"/>
-          <a:lstStyle/>
-          <a:p>
-            <a:pPr algn="ctr"/>
-            <a:r>
-              <a:rPr lang="en-US" dirty="0" smtClean="0">
-                <a:latin typeface="Arial Black" panose="020B0A04020102020204" pitchFamily="34" charset="0"/>
-              </a:rPr>
-              <a:t>3</a:t>
-            </a:r>
-            <a:endParaRPr lang="en-US" dirty="0">
-              <a:latin typeface="Arial Black" panose="020B0A04020102020204" pitchFamily="34" charset="0"/>
-            </a:endParaRPr>
-          </a:p>
-        </p:txBody>
-      </p:sp>
-      <p:sp>
-        <p:nvSpPr>
-          <p:cNvPr id="26" name="Flowchart: Connector 25"/>
-          <p:cNvSpPr/>
-          <p:nvPr/>
-        </p:nvSpPr>
-        <p:spPr>
-          <a:xfrm>
-            <a:off x="3468038" y="2438400"/>
-            <a:ext cx="457200" cy="457200"/>
-          </a:xfrm>
-          <a:prstGeom prst="flowChartConnector">
-            <a:avLst/>
-          </a:prstGeom>
-          <a:solidFill>
-            <a:srgbClr val="00B050"/>
-          </a:solidFill>
-        </p:spPr>
-        <p:style>
-          <a:lnRef idx="2">
-            <a:schemeClr val="accent1">
-              <a:shade val="50000"/>
-            </a:schemeClr>
-          </a:lnRef>
-          <a:fillRef idx="1">
-            <a:schemeClr val="accent1"/>
-          </a:fillRef>
-          <a:effectRef idx="0">
-            <a:schemeClr val="accent1"/>
-          </a:effectRef>
-          <a:fontRef idx="minor">
-            <a:schemeClr val="lt1"/>
-          </a:fontRef>
-        </p:style>
-        <p:txBody>
-          <a:bodyPr rtlCol="0" anchor="ctr"/>
-          <a:lstStyle/>
-          <a:p>
-            <a:pPr algn="ctr"/>
-            <a:r>
-              <a:rPr lang="en-US" dirty="0" smtClean="0">
-                <a:latin typeface="Arial Black" panose="020B0A04020102020204" pitchFamily="34" charset="0"/>
-              </a:rPr>
-              <a:t>4</a:t>
-            </a:r>
-            <a:endParaRPr lang="en-US" dirty="0">
-              <a:latin typeface="Arial Black" panose="020B0A04020102020204" pitchFamily="34" charset="0"/>
-            </a:endParaRPr>
-          </a:p>
-        </p:txBody>
-      </p:sp>
-      <p:sp>
-        <p:nvSpPr>
-          <p:cNvPr id="27" name="Flowchart: Connector 26"/>
-          <p:cNvSpPr/>
-          <p:nvPr/>
-        </p:nvSpPr>
-        <p:spPr>
-          <a:xfrm>
-            <a:off x="4706813" y="3924183"/>
-            <a:ext cx="457200" cy="457200"/>
-          </a:xfrm>
-          <a:prstGeom prst="flowChartConnector">
-            <a:avLst/>
-          </a:prstGeom>
-          <a:solidFill>
-            <a:srgbClr val="00B050"/>
-          </a:solidFill>
-        </p:spPr>
-        <p:style>
-          <a:lnRef idx="2">
-            <a:schemeClr val="accent1">
-              <a:shade val="50000"/>
-            </a:schemeClr>
-          </a:lnRef>
-          <a:fillRef idx="1">
-            <a:schemeClr val="accent1"/>
-          </a:fillRef>
-          <a:effectRef idx="0">
-            <a:schemeClr val="accent1"/>
-          </a:effectRef>
-          <a:fontRef idx="minor">
-            <a:schemeClr val="lt1"/>
-          </a:fontRef>
-        </p:style>
-        <p:txBody>
-          <a:bodyPr rtlCol="0" anchor="ctr"/>
-          <a:lstStyle/>
-          <a:p>
-            <a:pPr algn="ctr"/>
-            <a:r>
-              <a:rPr lang="en-US" dirty="0" smtClean="0">
-                <a:latin typeface="Arial Black" panose="020B0A04020102020204" pitchFamily="34" charset="0"/>
-              </a:rPr>
-              <a:t>5</a:t>
-            </a:r>
-            <a:endParaRPr lang="en-US" dirty="0">
-              <a:latin typeface="Arial Black" panose="020B0A04020102020204" pitchFamily="34" charset="0"/>
-            </a:endParaRPr>
-          </a:p>
-        </p:txBody>
-      </p:sp>
-      <p:sp>
-        <p:nvSpPr>
-          <p:cNvPr id="28" name="Flowchart: Connector 27"/>
-          <p:cNvSpPr/>
-          <p:nvPr/>
-        </p:nvSpPr>
-        <p:spPr>
-          <a:xfrm>
-            <a:off x="7974221" y="4073723"/>
-            <a:ext cx="457200" cy="457200"/>
-          </a:xfrm>
-          <a:prstGeom prst="flowChartConnector">
-            <a:avLst/>
-          </a:prstGeom>
-          <a:solidFill>
-            <a:srgbClr val="00B050"/>
-          </a:solidFill>
-        </p:spPr>
-        <p:style>
-          <a:lnRef idx="2">
-            <a:schemeClr val="accent1">
-              <a:shade val="50000"/>
-            </a:schemeClr>
-          </a:lnRef>
-          <a:fillRef idx="1">
-            <a:schemeClr val="accent1"/>
-          </a:fillRef>
-          <a:effectRef idx="0">
-            <a:schemeClr val="accent1"/>
-          </a:effectRef>
-          <a:fontRef idx="minor">
-            <a:schemeClr val="lt1"/>
-          </a:fontRef>
-        </p:style>
-        <p:txBody>
-          <a:bodyPr rtlCol="0" anchor="ctr"/>
-          <a:lstStyle/>
-          <a:p>
-            <a:pPr algn="ctr"/>
-            <a:r>
-              <a:rPr lang="en-US" dirty="0" smtClean="0">
-                <a:latin typeface="Arial Black" panose="020B0A04020102020204" pitchFamily="34" charset="0"/>
-              </a:rPr>
-              <a:t>6</a:t>
-            </a:r>
-            <a:endParaRPr lang="en-US" dirty="0">
-              <a:latin typeface="Arial Black" panose="020B0A04020102020204" pitchFamily="34" charset="0"/>
-            </a:endParaRPr>
+            <a:pPr lvl="0"/>
+            <a:r>
+              <a:rPr lang="en-US" dirty="0"/>
+              <a:t>Decompose the Human Review logic and process from the identified NCPS application such that it runs as a stand-alone application capable of subscribing to an AMQP Topic to receive incoming STIX files that require human review, presenting files to users for editing using the </a:t>
+            </a:r>
+            <a:r>
+              <a:rPr lang="en-US" u="sng" dirty="0"/>
+              <a:t>existing logic</a:t>
+            </a:r>
+            <a:r>
+              <a:rPr lang="en-US" dirty="0"/>
+              <a:t> and UI elements, and then publish approved/edited files to an AMQP topic.</a:t>
+            </a:r>
+          </a:p>
+          <a:p>
+            <a:pPr lvl="0"/>
+            <a:r>
+              <a:rPr lang="en-US" dirty="0"/>
+              <a:t>Decompose the file ingest and dissemination logic and then create micro-services to perform that same logic in auto-scaling clusters</a:t>
+            </a:r>
+            <a:r>
+              <a:rPr lang="en-US" dirty="0" smtClean="0"/>
+              <a:t>.</a:t>
+            </a:r>
+            <a:endParaRPr lang="en-US" dirty="0"/>
           </a:p>
         </p:txBody>
       </p:sp>
     </p:spTree>
     <p:extLst>
       <p:ext uri="{BB962C8B-B14F-4D97-AF65-F5344CB8AC3E}">
-        <p14:creationId xmlns:p14="http://schemas.microsoft.com/office/powerpoint/2010/main" val="792082825"/>
+        <p14:creationId xmlns:p14="http://schemas.microsoft.com/office/powerpoint/2010/main" val="2524489551"/>
       </p:ext>
     </p:extLst>
   </p:cSld>
@@ -4144,6 +3160,1258 @@
       </p:grpSpPr>
       <p:sp>
         <p:nvSpPr>
+          <p:cNvPr id="3" name="Rectangle 2"/>
+          <p:cNvSpPr/>
+          <p:nvPr/>
+        </p:nvSpPr>
+        <p:spPr>
+          <a:xfrm>
+            <a:off x="1447800" y="2667000"/>
+            <a:ext cx="1676400" cy="914400"/>
+          </a:xfrm>
+          <a:prstGeom prst="rect">
+            <a:avLst/>
+          </a:prstGeom>
+          <a:solidFill>
+            <a:srgbClr val="D9FFFC"/>
+          </a:solidFill>
+        </p:spPr>
+        <p:style>
+          <a:lnRef idx="2">
+            <a:schemeClr val="accent1">
+              <a:shade val="50000"/>
+            </a:schemeClr>
+          </a:lnRef>
+          <a:fillRef idx="1">
+            <a:schemeClr val="accent1"/>
+          </a:fillRef>
+          <a:effectRef idx="0">
+            <a:schemeClr val="accent1"/>
+          </a:effectRef>
+          <a:fontRef idx="minor">
+            <a:schemeClr val="lt1"/>
+          </a:fontRef>
+        </p:style>
+        <p:txBody>
+          <a:bodyPr rtlCol="0" anchor="ctr"/>
+          <a:lstStyle/>
+          <a:p>
+            <a:pPr algn="ctr"/>
+            <a:r>
+              <a:rPr lang="en-US" dirty="0" smtClean="0">
+                <a:solidFill>
+                  <a:srgbClr val="000000"/>
+                </a:solidFill>
+                <a:latin typeface="Arial Black" panose="020B0A04020102020204" pitchFamily="34" charset="0"/>
+              </a:rPr>
+              <a:t>HR UI</a:t>
+            </a:r>
+          </a:p>
+          <a:p>
+            <a:pPr algn="ctr"/>
+            <a:r>
+              <a:rPr lang="en-US" dirty="0" smtClean="0">
+                <a:solidFill>
+                  <a:srgbClr val="000000"/>
+                </a:solidFill>
+                <a:latin typeface="Arial Black" panose="020B0A04020102020204" pitchFamily="34" charset="0"/>
+              </a:rPr>
+              <a:t>(</a:t>
+            </a:r>
+            <a:r>
+              <a:rPr lang="en-US" dirty="0" err="1" smtClean="0">
+                <a:solidFill>
+                  <a:srgbClr val="000000"/>
+                </a:solidFill>
+                <a:latin typeface="Arial Black" panose="020B0A04020102020204" pitchFamily="34" charset="0"/>
+              </a:rPr>
+              <a:t>NodeJS</a:t>
+            </a:r>
+            <a:r>
+              <a:rPr lang="en-US" dirty="0" smtClean="0">
+                <a:solidFill>
+                  <a:srgbClr val="000000"/>
+                </a:solidFill>
+                <a:latin typeface="Arial Black" panose="020B0A04020102020204" pitchFamily="34" charset="0"/>
+              </a:rPr>
+              <a:t>)</a:t>
+            </a:r>
+            <a:endParaRPr lang="en-US" dirty="0">
+              <a:solidFill>
+                <a:srgbClr val="000000"/>
+              </a:solidFill>
+              <a:latin typeface="Arial Black" panose="020B0A04020102020204" pitchFamily="34" charset="0"/>
+            </a:endParaRPr>
+          </a:p>
+        </p:txBody>
+      </p:sp>
+      <p:sp>
+        <p:nvSpPr>
+          <p:cNvPr id="4" name="Rectangle 3"/>
+          <p:cNvSpPr/>
+          <p:nvPr/>
+        </p:nvSpPr>
+        <p:spPr>
+          <a:xfrm>
+            <a:off x="4114800" y="2667000"/>
+            <a:ext cx="2133600" cy="914400"/>
+          </a:xfrm>
+          <a:prstGeom prst="rect">
+            <a:avLst/>
+          </a:prstGeom>
+          <a:solidFill>
+            <a:srgbClr val="D9FFFC"/>
+          </a:solidFill>
+        </p:spPr>
+        <p:style>
+          <a:lnRef idx="2">
+            <a:schemeClr val="accent1">
+              <a:shade val="50000"/>
+            </a:schemeClr>
+          </a:lnRef>
+          <a:fillRef idx="1">
+            <a:schemeClr val="accent1"/>
+          </a:fillRef>
+          <a:effectRef idx="0">
+            <a:schemeClr val="accent1"/>
+          </a:effectRef>
+          <a:fontRef idx="minor">
+            <a:schemeClr val="lt1"/>
+          </a:fontRef>
+        </p:style>
+        <p:txBody>
+          <a:bodyPr rtlCol="0" anchor="ctr"/>
+          <a:lstStyle/>
+          <a:p>
+            <a:pPr algn="ctr"/>
+            <a:r>
+              <a:rPr lang="en-US" dirty="0" smtClean="0">
+                <a:solidFill>
+                  <a:srgbClr val="000000"/>
+                </a:solidFill>
+                <a:latin typeface="Arial Black" panose="020B0A04020102020204" pitchFamily="34" charset="0"/>
+              </a:rPr>
+              <a:t>HR Backend (Spring Boot)</a:t>
+            </a:r>
+            <a:endParaRPr lang="en-US" dirty="0">
+              <a:solidFill>
+                <a:srgbClr val="000000"/>
+              </a:solidFill>
+              <a:latin typeface="Arial Black" panose="020B0A04020102020204" pitchFamily="34" charset="0"/>
+            </a:endParaRPr>
+          </a:p>
+        </p:txBody>
+      </p:sp>
+      <p:sp>
+        <p:nvSpPr>
+          <p:cNvPr id="2" name="Can 1"/>
+          <p:cNvSpPr/>
+          <p:nvPr/>
+        </p:nvSpPr>
+        <p:spPr>
+          <a:xfrm>
+            <a:off x="7048500" y="2516124"/>
+            <a:ext cx="1295400" cy="1216152"/>
+          </a:xfrm>
+          <a:prstGeom prst="can">
+            <a:avLst/>
+          </a:prstGeom>
+        </p:spPr>
+        <p:style>
+          <a:lnRef idx="2">
+            <a:schemeClr val="accent1">
+              <a:shade val="50000"/>
+            </a:schemeClr>
+          </a:lnRef>
+          <a:fillRef idx="1">
+            <a:schemeClr val="accent1"/>
+          </a:fillRef>
+          <a:effectRef idx="0">
+            <a:schemeClr val="accent1"/>
+          </a:effectRef>
+          <a:fontRef idx="minor">
+            <a:schemeClr val="lt1"/>
+          </a:fontRef>
+        </p:style>
+        <p:txBody>
+          <a:bodyPr rtlCol="0" anchor="ctr"/>
+          <a:lstStyle/>
+          <a:p>
+            <a:pPr algn="ctr"/>
+            <a:r>
+              <a:rPr lang="en-US" dirty="0" smtClean="0">
+                <a:latin typeface="Arial Black" panose="020B0A04020102020204" pitchFamily="34" charset="0"/>
+              </a:rPr>
+              <a:t>MySQL</a:t>
+            </a:r>
+            <a:endParaRPr lang="en-US" dirty="0">
+              <a:latin typeface="Arial Black" panose="020B0A04020102020204" pitchFamily="34" charset="0"/>
+            </a:endParaRPr>
+          </a:p>
+        </p:txBody>
+      </p:sp>
+      <p:sp>
+        <p:nvSpPr>
+          <p:cNvPr id="6" name="Flowchart: Direct Access Storage 5"/>
+          <p:cNvSpPr/>
+          <p:nvPr/>
+        </p:nvSpPr>
+        <p:spPr>
+          <a:xfrm>
+            <a:off x="5257800" y="989193"/>
+            <a:ext cx="2286000" cy="685800"/>
+          </a:xfrm>
+          <a:prstGeom prst="flowChartMagneticDrum">
+            <a:avLst/>
+          </a:prstGeom>
+        </p:spPr>
+        <p:style>
+          <a:lnRef idx="2">
+            <a:schemeClr val="accent1">
+              <a:shade val="50000"/>
+            </a:schemeClr>
+          </a:lnRef>
+          <a:fillRef idx="1">
+            <a:schemeClr val="accent1"/>
+          </a:fillRef>
+          <a:effectRef idx="0">
+            <a:schemeClr val="accent1"/>
+          </a:effectRef>
+          <a:fontRef idx="minor">
+            <a:schemeClr val="lt1"/>
+          </a:fontRef>
+        </p:style>
+        <p:txBody>
+          <a:bodyPr rtlCol="0" anchor="ctr"/>
+          <a:lstStyle/>
+          <a:p>
+            <a:pPr algn="ctr"/>
+            <a:r>
+              <a:rPr lang="en-US" dirty="0" smtClean="0">
+                <a:latin typeface="Arial Black" panose="020B0A04020102020204" pitchFamily="34" charset="0"/>
+              </a:rPr>
+              <a:t>Active MQ</a:t>
+            </a:r>
+            <a:endParaRPr lang="en-US" dirty="0">
+              <a:latin typeface="Arial Black" panose="020B0A04020102020204" pitchFamily="34" charset="0"/>
+            </a:endParaRPr>
+          </a:p>
+        </p:txBody>
+      </p:sp>
+      <p:pic>
+        <p:nvPicPr>
+          <p:cNvPr id="7" name="Picture 6"/>
+          <p:cNvPicPr>
+            <a:picLocks noChangeAspect="1"/>
+          </p:cNvPicPr>
+          <p:nvPr/>
+        </p:nvPicPr>
+        <p:blipFill>
+          <a:blip r:embed="rId2" cstate="print">
+            <a:extLst>
+              <a:ext uri="{28A0092B-C50C-407E-A947-70E740481C1C}">
+                <a14:useLocalDpi xmlns:a14="http://schemas.microsoft.com/office/drawing/2010/main" val="0"/>
+              </a:ext>
+            </a:extLst>
+          </a:blip>
+          <a:stretch>
+            <a:fillRect/>
+          </a:stretch>
+        </p:blipFill>
+        <p:spPr>
+          <a:xfrm>
+            <a:off x="7696200" y="304800"/>
+            <a:ext cx="533400" cy="607376"/>
+          </a:xfrm>
+          <a:prstGeom prst="rect">
+            <a:avLst/>
+          </a:prstGeom>
+        </p:spPr>
+      </p:pic>
+      <p:pic>
+        <p:nvPicPr>
+          <p:cNvPr id="8" name="Picture 7"/>
+          <p:cNvPicPr>
+            <a:picLocks noChangeAspect="1"/>
+          </p:cNvPicPr>
+          <p:nvPr/>
+        </p:nvPicPr>
+        <p:blipFill>
+          <a:blip r:embed="rId2" cstate="print">
+            <a:extLst>
+              <a:ext uri="{28A0092B-C50C-407E-A947-70E740481C1C}">
+                <a14:useLocalDpi xmlns:a14="http://schemas.microsoft.com/office/drawing/2010/main" val="0"/>
+              </a:ext>
+            </a:extLst>
+          </a:blip>
+          <a:stretch>
+            <a:fillRect/>
+          </a:stretch>
+        </p:blipFill>
+        <p:spPr>
+          <a:xfrm>
+            <a:off x="304800" y="2820512"/>
+            <a:ext cx="533400" cy="607376"/>
+          </a:xfrm>
+          <a:prstGeom prst="rect">
+            <a:avLst/>
+          </a:prstGeom>
+        </p:spPr>
+      </p:pic>
+      <p:sp>
+        <p:nvSpPr>
+          <p:cNvPr id="9" name="Rectangle 8"/>
+          <p:cNvSpPr/>
+          <p:nvPr/>
+        </p:nvSpPr>
+        <p:spPr>
+          <a:xfrm rot="16200000">
+            <a:off x="7270299" y="2552699"/>
+            <a:ext cx="4661800" cy="1143001"/>
+          </a:xfrm>
+          <a:prstGeom prst="rect">
+            <a:avLst/>
+          </a:prstGeom>
+          <a:solidFill>
+            <a:srgbClr val="D9FFFC"/>
+          </a:solidFill>
+        </p:spPr>
+        <p:style>
+          <a:lnRef idx="2">
+            <a:schemeClr val="accent1">
+              <a:shade val="50000"/>
+            </a:schemeClr>
+          </a:lnRef>
+          <a:fillRef idx="1">
+            <a:schemeClr val="accent1"/>
+          </a:fillRef>
+          <a:effectRef idx="0">
+            <a:schemeClr val="accent1"/>
+          </a:effectRef>
+          <a:fontRef idx="minor">
+            <a:schemeClr val="lt1"/>
+          </a:fontRef>
+        </p:style>
+        <p:txBody>
+          <a:bodyPr rtlCol="0" anchor="ctr"/>
+          <a:lstStyle/>
+          <a:p>
+            <a:pPr algn="ctr"/>
+            <a:r>
+              <a:rPr lang="en-US" dirty="0" smtClean="0">
+                <a:solidFill>
+                  <a:srgbClr val="000000"/>
+                </a:solidFill>
+                <a:latin typeface="Arial Black" panose="020B0A04020102020204" pitchFamily="34" charset="0"/>
+              </a:rPr>
+              <a:t>HR Partner</a:t>
+            </a:r>
+          </a:p>
+          <a:p>
+            <a:pPr algn="ctr"/>
+            <a:r>
+              <a:rPr lang="en-US" dirty="0" smtClean="0">
+                <a:solidFill>
+                  <a:srgbClr val="000000"/>
+                </a:solidFill>
+                <a:latin typeface="Arial Black" panose="020B0A04020102020204" pitchFamily="34" charset="0"/>
+              </a:rPr>
+              <a:t>(Spring Boot)</a:t>
+            </a:r>
+            <a:endParaRPr lang="en-US" dirty="0">
+              <a:solidFill>
+                <a:srgbClr val="000000"/>
+              </a:solidFill>
+              <a:latin typeface="Arial Black" panose="020B0A04020102020204" pitchFamily="34" charset="0"/>
+            </a:endParaRPr>
+          </a:p>
+        </p:txBody>
+      </p:sp>
+      <p:sp>
+        <p:nvSpPr>
+          <p:cNvPr id="10" name="Flowchart: Direct Access Storage 9"/>
+          <p:cNvSpPr/>
+          <p:nvPr/>
+        </p:nvSpPr>
+        <p:spPr>
+          <a:xfrm>
+            <a:off x="5257800" y="4381383"/>
+            <a:ext cx="2286000" cy="685800"/>
+          </a:xfrm>
+          <a:prstGeom prst="flowChartMagneticDrum">
+            <a:avLst/>
+          </a:prstGeom>
+        </p:spPr>
+        <p:style>
+          <a:lnRef idx="2">
+            <a:schemeClr val="accent1">
+              <a:shade val="50000"/>
+            </a:schemeClr>
+          </a:lnRef>
+          <a:fillRef idx="1">
+            <a:schemeClr val="accent1"/>
+          </a:fillRef>
+          <a:effectRef idx="0">
+            <a:schemeClr val="accent1"/>
+          </a:effectRef>
+          <a:fontRef idx="minor">
+            <a:schemeClr val="lt1"/>
+          </a:fontRef>
+        </p:style>
+        <p:txBody>
+          <a:bodyPr rtlCol="0" anchor="ctr"/>
+          <a:lstStyle/>
+          <a:p>
+            <a:pPr algn="ctr"/>
+            <a:r>
+              <a:rPr lang="en-US" dirty="0" smtClean="0">
+                <a:latin typeface="Arial Black" panose="020B0A04020102020204" pitchFamily="34" charset="0"/>
+              </a:rPr>
+              <a:t>Active MQ</a:t>
+            </a:r>
+            <a:endParaRPr lang="en-US" dirty="0">
+              <a:latin typeface="Arial Black" panose="020B0A04020102020204" pitchFamily="34" charset="0"/>
+            </a:endParaRPr>
+          </a:p>
+        </p:txBody>
+      </p:sp>
+      <p:sp>
+        <p:nvSpPr>
+          <p:cNvPr id="11" name="Left Arrow 10"/>
+          <p:cNvSpPr/>
+          <p:nvPr/>
+        </p:nvSpPr>
+        <p:spPr>
+          <a:xfrm>
+            <a:off x="7696200" y="1089777"/>
+            <a:ext cx="978408" cy="484632"/>
+          </a:xfrm>
+          <a:prstGeom prst="leftArrow">
+            <a:avLst/>
+          </a:prstGeom>
+        </p:spPr>
+        <p:style>
+          <a:lnRef idx="2">
+            <a:schemeClr val="accent1">
+              <a:shade val="50000"/>
+            </a:schemeClr>
+          </a:lnRef>
+          <a:fillRef idx="1">
+            <a:schemeClr val="accent1"/>
+          </a:fillRef>
+          <a:effectRef idx="0">
+            <a:schemeClr val="accent1"/>
+          </a:effectRef>
+          <a:fontRef idx="minor">
+            <a:schemeClr val="lt1"/>
+          </a:fontRef>
+        </p:style>
+        <p:txBody>
+          <a:bodyPr rtlCol="0" anchor="ctr"/>
+          <a:lstStyle/>
+          <a:p>
+            <a:pPr algn="ctr"/>
+            <a:endParaRPr lang="en-US"/>
+          </a:p>
+        </p:txBody>
+      </p:sp>
+      <p:sp>
+        <p:nvSpPr>
+          <p:cNvPr id="12" name="Flowchart: Document 11"/>
+          <p:cNvSpPr/>
+          <p:nvPr/>
+        </p:nvSpPr>
+        <p:spPr>
+          <a:xfrm>
+            <a:off x="7811436" y="1615266"/>
+            <a:ext cx="950626" cy="900857"/>
+          </a:xfrm>
+          <a:prstGeom prst="flowChartDocument">
+            <a:avLst/>
+          </a:prstGeom>
+          <a:noFill/>
+        </p:spPr>
+        <p:style>
+          <a:lnRef idx="2">
+            <a:schemeClr val="accent1">
+              <a:shade val="50000"/>
+            </a:schemeClr>
+          </a:lnRef>
+          <a:fillRef idx="1">
+            <a:schemeClr val="accent1"/>
+          </a:fillRef>
+          <a:effectRef idx="0">
+            <a:schemeClr val="accent1"/>
+          </a:effectRef>
+          <a:fontRef idx="minor">
+            <a:schemeClr val="lt1"/>
+          </a:fontRef>
+        </p:style>
+        <p:txBody>
+          <a:bodyPr rtlCol="0" anchor="ctr"/>
+          <a:lstStyle/>
+          <a:p>
+            <a:pPr algn="ctr"/>
+            <a:endParaRPr lang="en-US"/>
+          </a:p>
+        </p:txBody>
+      </p:sp>
+      <p:sp>
+        <p:nvSpPr>
+          <p:cNvPr id="14" name="Right Arrow 13"/>
+          <p:cNvSpPr/>
+          <p:nvPr/>
+        </p:nvSpPr>
+        <p:spPr>
+          <a:xfrm>
+            <a:off x="7783654" y="4481967"/>
+            <a:ext cx="978408" cy="484632"/>
+          </a:xfrm>
+          <a:prstGeom prst="rightArrow">
+            <a:avLst/>
+          </a:prstGeom>
+        </p:spPr>
+        <p:style>
+          <a:lnRef idx="2">
+            <a:schemeClr val="accent1">
+              <a:shade val="50000"/>
+            </a:schemeClr>
+          </a:lnRef>
+          <a:fillRef idx="1">
+            <a:schemeClr val="accent1"/>
+          </a:fillRef>
+          <a:effectRef idx="0">
+            <a:schemeClr val="accent1"/>
+          </a:effectRef>
+          <a:fontRef idx="minor">
+            <a:schemeClr val="lt1"/>
+          </a:fontRef>
+        </p:style>
+        <p:txBody>
+          <a:bodyPr rtlCol="0" anchor="ctr"/>
+          <a:lstStyle/>
+          <a:p>
+            <a:pPr algn="ctr"/>
+            <a:endParaRPr lang="en-US"/>
+          </a:p>
+        </p:txBody>
+      </p:sp>
+      <p:pic>
+        <p:nvPicPr>
+          <p:cNvPr id="16" name="Picture 15"/>
+          <p:cNvPicPr>
+            <a:picLocks noChangeAspect="1"/>
+          </p:cNvPicPr>
+          <p:nvPr/>
+        </p:nvPicPr>
+        <p:blipFill>
+          <a:blip r:embed="rId3"/>
+          <a:stretch>
+            <a:fillRect/>
+          </a:stretch>
+        </p:blipFill>
+        <p:spPr>
+          <a:xfrm>
+            <a:off x="7851266" y="1653414"/>
+            <a:ext cx="685800" cy="683065"/>
+          </a:xfrm>
+          <a:prstGeom prst="rect">
+            <a:avLst/>
+          </a:prstGeom>
+        </p:spPr>
+      </p:pic>
+      <p:sp>
+        <p:nvSpPr>
+          <p:cNvPr id="17" name="Flowchart: Document 16"/>
+          <p:cNvSpPr/>
+          <p:nvPr/>
+        </p:nvSpPr>
+        <p:spPr>
+          <a:xfrm>
+            <a:off x="7771607" y="5094949"/>
+            <a:ext cx="950626" cy="900857"/>
+          </a:xfrm>
+          <a:prstGeom prst="flowChartDocument">
+            <a:avLst/>
+          </a:prstGeom>
+          <a:noFill/>
+        </p:spPr>
+        <p:style>
+          <a:lnRef idx="2">
+            <a:schemeClr val="accent1">
+              <a:shade val="50000"/>
+            </a:schemeClr>
+          </a:lnRef>
+          <a:fillRef idx="1">
+            <a:schemeClr val="accent1"/>
+          </a:fillRef>
+          <a:effectRef idx="0">
+            <a:schemeClr val="accent1"/>
+          </a:effectRef>
+          <a:fontRef idx="minor">
+            <a:schemeClr val="lt1"/>
+          </a:fontRef>
+        </p:style>
+        <p:txBody>
+          <a:bodyPr rtlCol="0" anchor="ctr"/>
+          <a:lstStyle/>
+          <a:p>
+            <a:pPr algn="ctr"/>
+            <a:endParaRPr lang="en-US"/>
+          </a:p>
+        </p:txBody>
+      </p:sp>
+      <p:pic>
+        <p:nvPicPr>
+          <p:cNvPr id="18" name="Picture 17"/>
+          <p:cNvPicPr>
+            <a:picLocks noChangeAspect="1"/>
+          </p:cNvPicPr>
+          <p:nvPr/>
+        </p:nvPicPr>
+        <p:blipFill>
+          <a:blip r:embed="rId3"/>
+          <a:stretch>
+            <a:fillRect/>
+          </a:stretch>
+        </p:blipFill>
+        <p:spPr>
+          <a:xfrm>
+            <a:off x="7851266" y="5246360"/>
+            <a:ext cx="600428" cy="598033"/>
+          </a:xfrm>
+          <a:prstGeom prst="rect">
+            <a:avLst/>
+          </a:prstGeom>
+        </p:spPr>
+      </p:pic>
+      <p:sp>
+        <p:nvSpPr>
+          <p:cNvPr id="19" name="Bent-Up Arrow 18"/>
+          <p:cNvSpPr/>
+          <p:nvPr/>
+        </p:nvSpPr>
+        <p:spPr>
+          <a:xfrm rot="10800000">
+            <a:off x="4361980" y="1276041"/>
+            <a:ext cx="743420" cy="1240081"/>
+          </a:xfrm>
+          <a:prstGeom prst="bentUpArrow">
+            <a:avLst/>
+          </a:prstGeom>
+        </p:spPr>
+        <p:style>
+          <a:lnRef idx="2">
+            <a:schemeClr val="accent1">
+              <a:shade val="50000"/>
+            </a:schemeClr>
+          </a:lnRef>
+          <a:fillRef idx="1">
+            <a:schemeClr val="accent1"/>
+          </a:fillRef>
+          <a:effectRef idx="0">
+            <a:schemeClr val="accent1"/>
+          </a:effectRef>
+          <a:fontRef idx="minor">
+            <a:schemeClr val="lt1"/>
+          </a:fontRef>
+        </p:style>
+        <p:txBody>
+          <a:bodyPr rtlCol="0" anchor="ctr"/>
+          <a:lstStyle/>
+          <a:p>
+            <a:pPr algn="ctr"/>
+            <a:endParaRPr lang="en-US"/>
+          </a:p>
+        </p:txBody>
+      </p:sp>
+      <p:sp>
+        <p:nvSpPr>
+          <p:cNvPr id="20" name="Bent-Up Arrow 19"/>
+          <p:cNvSpPr/>
+          <p:nvPr/>
+        </p:nvSpPr>
+        <p:spPr>
+          <a:xfrm rot="5400000">
+            <a:off x="4194179" y="3957698"/>
+            <a:ext cx="1212840" cy="762000"/>
+          </a:xfrm>
+          <a:prstGeom prst="bentUpArrow">
+            <a:avLst/>
+          </a:prstGeom>
+        </p:spPr>
+        <p:style>
+          <a:lnRef idx="2">
+            <a:schemeClr val="accent1">
+              <a:shade val="50000"/>
+            </a:schemeClr>
+          </a:lnRef>
+          <a:fillRef idx="1">
+            <a:schemeClr val="accent1"/>
+          </a:fillRef>
+          <a:effectRef idx="0">
+            <a:schemeClr val="accent1"/>
+          </a:effectRef>
+          <a:fontRef idx="minor">
+            <a:schemeClr val="lt1"/>
+          </a:fontRef>
+        </p:style>
+        <p:txBody>
+          <a:bodyPr rtlCol="0" anchor="ctr"/>
+          <a:lstStyle/>
+          <a:p>
+            <a:pPr algn="ctr"/>
+            <a:endParaRPr lang="en-US"/>
+          </a:p>
+        </p:txBody>
+      </p:sp>
+      <p:sp>
+        <p:nvSpPr>
+          <p:cNvPr id="21" name="Left Arrow 20"/>
+          <p:cNvSpPr/>
+          <p:nvPr/>
+        </p:nvSpPr>
+        <p:spPr>
+          <a:xfrm>
+            <a:off x="3159368" y="2820512"/>
+            <a:ext cx="902208" cy="484632"/>
+          </a:xfrm>
+          <a:prstGeom prst="leftArrow">
+            <a:avLst/>
+          </a:prstGeom>
+        </p:spPr>
+        <p:style>
+          <a:lnRef idx="2">
+            <a:schemeClr val="accent1">
+              <a:shade val="50000"/>
+            </a:schemeClr>
+          </a:lnRef>
+          <a:fillRef idx="1">
+            <a:schemeClr val="accent1"/>
+          </a:fillRef>
+          <a:effectRef idx="0">
+            <a:schemeClr val="accent1"/>
+          </a:effectRef>
+          <a:fontRef idx="minor">
+            <a:schemeClr val="lt1"/>
+          </a:fontRef>
+        </p:style>
+        <p:txBody>
+          <a:bodyPr rtlCol="0" anchor="ctr"/>
+          <a:lstStyle/>
+          <a:p>
+            <a:pPr algn="ctr"/>
+            <a:endParaRPr lang="en-US"/>
+          </a:p>
+        </p:txBody>
+      </p:sp>
+      <p:sp>
+        <p:nvSpPr>
+          <p:cNvPr id="22" name="Right Arrow 21"/>
+          <p:cNvSpPr/>
+          <p:nvPr/>
+        </p:nvSpPr>
+        <p:spPr>
+          <a:xfrm>
+            <a:off x="6301624" y="2820512"/>
+            <a:ext cx="746874" cy="484632"/>
+          </a:xfrm>
+          <a:prstGeom prst="rightArrow">
+            <a:avLst/>
+          </a:prstGeom>
+        </p:spPr>
+        <p:style>
+          <a:lnRef idx="2">
+            <a:schemeClr val="accent1">
+              <a:shade val="50000"/>
+            </a:schemeClr>
+          </a:lnRef>
+          <a:fillRef idx="1">
+            <a:schemeClr val="accent1"/>
+          </a:fillRef>
+          <a:effectRef idx="0">
+            <a:schemeClr val="accent1"/>
+          </a:effectRef>
+          <a:fontRef idx="minor">
+            <a:schemeClr val="lt1"/>
+          </a:fontRef>
+        </p:style>
+        <p:txBody>
+          <a:bodyPr rtlCol="0" anchor="ctr"/>
+          <a:lstStyle/>
+          <a:p>
+            <a:pPr algn="ctr"/>
+            <a:endParaRPr lang="en-US"/>
+          </a:p>
+        </p:txBody>
+      </p:sp>
+      <p:sp>
+        <p:nvSpPr>
+          <p:cNvPr id="23" name="Flowchart: Connector 22"/>
+          <p:cNvSpPr/>
+          <p:nvPr/>
+        </p:nvSpPr>
+        <p:spPr>
+          <a:xfrm>
+            <a:off x="8198626" y="617461"/>
+            <a:ext cx="457200" cy="457200"/>
+          </a:xfrm>
+          <a:prstGeom prst="flowChartConnector">
+            <a:avLst/>
+          </a:prstGeom>
+          <a:solidFill>
+            <a:srgbClr val="00B050"/>
+          </a:solidFill>
+        </p:spPr>
+        <p:style>
+          <a:lnRef idx="2">
+            <a:schemeClr val="accent1">
+              <a:shade val="50000"/>
+            </a:schemeClr>
+          </a:lnRef>
+          <a:fillRef idx="1">
+            <a:schemeClr val="accent1"/>
+          </a:fillRef>
+          <a:effectRef idx="0">
+            <a:schemeClr val="accent1"/>
+          </a:effectRef>
+          <a:fontRef idx="minor">
+            <a:schemeClr val="lt1"/>
+          </a:fontRef>
+        </p:style>
+        <p:txBody>
+          <a:bodyPr rtlCol="0" anchor="ctr"/>
+          <a:lstStyle/>
+          <a:p>
+            <a:pPr algn="ctr"/>
+            <a:r>
+              <a:rPr lang="en-US" dirty="0" smtClean="0">
+                <a:latin typeface="Arial Black" panose="020B0A04020102020204" pitchFamily="34" charset="0"/>
+              </a:rPr>
+              <a:t>1</a:t>
+            </a:r>
+            <a:endParaRPr lang="en-US" dirty="0">
+              <a:latin typeface="Arial Black" panose="020B0A04020102020204" pitchFamily="34" charset="0"/>
+            </a:endParaRPr>
+          </a:p>
+        </p:txBody>
+      </p:sp>
+      <p:sp>
+        <p:nvSpPr>
+          <p:cNvPr id="24" name="Flowchart: Connector 23"/>
+          <p:cNvSpPr/>
+          <p:nvPr/>
+        </p:nvSpPr>
+        <p:spPr>
+          <a:xfrm>
+            <a:off x="4724400" y="1638417"/>
+            <a:ext cx="457200" cy="457200"/>
+          </a:xfrm>
+          <a:prstGeom prst="flowChartConnector">
+            <a:avLst/>
+          </a:prstGeom>
+          <a:solidFill>
+            <a:srgbClr val="00B050"/>
+          </a:solidFill>
+        </p:spPr>
+        <p:style>
+          <a:lnRef idx="2">
+            <a:schemeClr val="accent1">
+              <a:shade val="50000"/>
+            </a:schemeClr>
+          </a:lnRef>
+          <a:fillRef idx="1">
+            <a:schemeClr val="accent1"/>
+          </a:fillRef>
+          <a:effectRef idx="0">
+            <a:schemeClr val="accent1"/>
+          </a:effectRef>
+          <a:fontRef idx="minor">
+            <a:schemeClr val="lt1"/>
+          </a:fontRef>
+        </p:style>
+        <p:txBody>
+          <a:bodyPr rtlCol="0" anchor="ctr"/>
+          <a:lstStyle/>
+          <a:p>
+            <a:pPr algn="ctr"/>
+            <a:r>
+              <a:rPr lang="en-US" dirty="0" smtClean="0">
+                <a:latin typeface="Arial Black" panose="020B0A04020102020204" pitchFamily="34" charset="0"/>
+              </a:rPr>
+              <a:t>2</a:t>
+            </a:r>
+            <a:endParaRPr lang="en-US" dirty="0">
+              <a:latin typeface="Arial Black" panose="020B0A04020102020204" pitchFamily="34" charset="0"/>
+            </a:endParaRPr>
+          </a:p>
+        </p:txBody>
+      </p:sp>
+      <p:sp>
+        <p:nvSpPr>
+          <p:cNvPr id="25" name="Flowchart: Connector 24"/>
+          <p:cNvSpPr/>
+          <p:nvPr/>
+        </p:nvSpPr>
+        <p:spPr>
+          <a:xfrm>
+            <a:off x="6316136" y="2294032"/>
+            <a:ext cx="457200" cy="457200"/>
+          </a:xfrm>
+          <a:prstGeom prst="flowChartConnector">
+            <a:avLst/>
+          </a:prstGeom>
+          <a:solidFill>
+            <a:srgbClr val="00B050"/>
+          </a:solidFill>
+        </p:spPr>
+        <p:style>
+          <a:lnRef idx="2">
+            <a:schemeClr val="accent1">
+              <a:shade val="50000"/>
+            </a:schemeClr>
+          </a:lnRef>
+          <a:fillRef idx="1">
+            <a:schemeClr val="accent1"/>
+          </a:fillRef>
+          <a:effectRef idx="0">
+            <a:schemeClr val="accent1"/>
+          </a:effectRef>
+          <a:fontRef idx="minor">
+            <a:schemeClr val="lt1"/>
+          </a:fontRef>
+        </p:style>
+        <p:txBody>
+          <a:bodyPr rtlCol="0" anchor="ctr"/>
+          <a:lstStyle/>
+          <a:p>
+            <a:pPr algn="ctr"/>
+            <a:r>
+              <a:rPr lang="en-US" dirty="0" smtClean="0">
+                <a:latin typeface="Arial Black" panose="020B0A04020102020204" pitchFamily="34" charset="0"/>
+              </a:rPr>
+              <a:t>3</a:t>
+            </a:r>
+            <a:endParaRPr lang="en-US" dirty="0">
+              <a:latin typeface="Arial Black" panose="020B0A04020102020204" pitchFamily="34" charset="0"/>
+            </a:endParaRPr>
+          </a:p>
+        </p:txBody>
+      </p:sp>
+      <p:sp>
+        <p:nvSpPr>
+          <p:cNvPr id="26" name="Flowchart: Connector 25"/>
+          <p:cNvSpPr/>
+          <p:nvPr/>
+        </p:nvSpPr>
+        <p:spPr>
+          <a:xfrm>
+            <a:off x="3468038" y="2438400"/>
+            <a:ext cx="457200" cy="457200"/>
+          </a:xfrm>
+          <a:prstGeom prst="flowChartConnector">
+            <a:avLst/>
+          </a:prstGeom>
+          <a:solidFill>
+            <a:srgbClr val="00B050"/>
+          </a:solidFill>
+        </p:spPr>
+        <p:style>
+          <a:lnRef idx="2">
+            <a:schemeClr val="accent1">
+              <a:shade val="50000"/>
+            </a:schemeClr>
+          </a:lnRef>
+          <a:fillRef idx="1">
+            <a:schemeClr val="accent1"/>
+          </a:fillRef>
+          <a:effectRef idx="0">
+            <a:schemeClr val="accent1"/>
+          </a:effectRef>
+          <a:fontRef idx="minor">
+            <a:schemeClr val="lt1"/>
+          </a:fontRef>
+        </p:style>
+        <p:txBody>
+          <a:bodyPr rtlCol="0" anchor="ctr"/>
+          <a:lstStyle/>
+          <a:p>
+            <a:pPr algn="ctr"/>
+            <a:r>
+              <a:rPr lang="en-US" dirty="0" smtClean="0">
+                <a:latin typeface="Arial Black" panose="020B0A04020102020204" pitchFamily="34" charset="0"/>
+              </a:rPr>
+              <a:t>4</a:t>
+            </a:r>
+            <a:endParaRPr lang="en-US" dirty="0">
+              <a:latin typeface="Arial Black" panose="020B0A04020102020204" pitchFamily="34" charset="0"/>
+            </a:endParaRPr>
+          </a:p>
+        </p:txBody>
+      </p:sp>
+      <p:sp>
+        <p:nvSpPr>
+          <p:cNvPr id="27" name="Flowchart: Connector 26"/>
+          <p:cNvSpPr/>
+          <p:nvPr/>
+        </p:nvSpPr>
+        <p:spPr>
+          <a:xfrm>
+            <a:off x="4706813" y="3924183"/>
+            <a:ext cx="457200" cy="457200"/>
+          </a:xfrm>
+          <a:prstGeom prst="flowChartConnector">
+            <a:avLst/>
+          </a:prstGeom>
+          <a:solidFill>
+            <a:srgbClr val="00B050"/>
+          </a:solidFill>
+        </p:spPr>
+        <p:style>
+          <a:lnRef idx="2">
+            <a:schemeClr val="accent1">
+              <a:shade val="50000"/>
+            </a:schemeClr>
+          </a:lnRef>
+          <a:fillRef idx="1">
+            <a:schemeClr val="accent1"/>
+          </a:fillRef>
+          <a:effectRef idx="0">
+            <a:schemeClr val="accent1"/>
+          </a:effectRef>
+          <a:fontRef idx="minor">
+            <a:schemeClr val="lt1"/>
+          </a:fontRef>
+        </p:style>
+        <p:txBody>
+          <a:bodyPr rtlCol="0" anchor="ctr"/>
+          <a:lstStyle/>
+          <a:p>
+            <a:pPr algn="ctr"/>
+            <a:r>
+              <a:rPr lang="en-US" dirty="0" smtClean="0">
+                <a:latin typeface="Arial Black" panose="020B0A04020102020204" pitchFamily="34" charset="0"/>
+              </a:rPr>
+              <a:t>5</a:t>
+            </a:r>
+            <a:endParaRPr lang="en-US" dirty="0">
+              <a:latin typeface="Arial Black" panose="020B0A04020102020204" pitchFamily="34" charset="0"/>
+            </a:endParaRPr>
+          </a:p>
+        </p:txBody>
+      </p:sp>
+      <p:sp>
+        <p:nvSpPr>
+          <p:cNvPr id="28" name="Flowchart: Connector 27"/>
+          <p:cNvSpPr/>
+          <p:nvPr/>
+        </p:nvSpPr>
+        <p:spPr>
+          <a:xfrm>
+            <a:off x="7974221" y="4073723"/>
+            <a:ext cx="457200" cy="457200"/>
+          </a:xfrm>
+          <a:prstGeom prst="flowChartConnector">
+            <a:avLst/>
+          </a:prstGeom>
+          <a:solidFill>
+            <a:srgbClr val="00B050"/>
+          </a:solidFill>
+        </p:spPr>
+        <p:style>
+          <a:lnRef idx="2">
+            <a:schemeClr val="accent1">
+              <a:shade val="50000"/>
+            </a:schemeClr>
+          </a:lnRef>
+          <a:fillRef idx="1">
+            <a:schemeClr val="accent1"/>
+          </a:fillRef>
+          <a:effectRef idx="0">
+            <a:schemeClr val="accent1"/>
+          </a:effectRef>
+          <a:fontRef idx="minor">
+            <a:schemeClr val="lt1"/>
+          </a:fontRef>
+        </p:style>
+        <p:txBody>
+          <a:bodyPr rtlCol="0" anchor="ctr"/>
+          <a:lstStyle/>
+          <a:p>
+            <a:pPr algn="ctr"/>
+            <a:r>
+              <a:rPr lang="en-US" dirty="0" smtClean="0">
+                <a:latin typeface="Arial Black" panose="020B0A04020102020204" pitchFamily="34" charset="0"/>
+              </a:rPr>
+              <a:t>6</a:t>
+            </a:r>
+            <a:endParaRPr lang="en-US" dirty="0">
+              <a:latin typeface="Arial Black" panose="020B0A04020102020204" pitchFamily="34" charset="0"/>
+            </a:endParaRPr>
+          </a:p>
+        </p:txBody>
+      </p:sp>
+    </p:spTree>
+    <p:extLst>
+      <p:ext uri="{BB962C8B-B14F-4D97-AF65-F5344CB8AC3E}">
+        <p14:creationId xmlns:p14="http://schemas.microsoft.com/office/powerpoint/2010/main" val="792082825"/>
+      </p:ext>
+    </p:extLst>
+  </p:cSld>
+  <p:clrMapOvr>
+    <a:masterClrMapping/>
+  </p:clrMapOvr>
+</p:sld>
+</file>
+
+<file path=ppt/slides/slide4.xml><?xml version="1.0" encoding="utf-8"?>
+<p:sld xmlns:a="http://schemas.openxmlformats.org/drawingml/2006/main" xmlns:r="http://schemas.openxmlformats.org/officeDocument/2006/relationships" xmlns:p="http://schemas.openxmlformats.org/presentationml/2006/main">
+  <p:cSld>
+    <p:spTree>
+      <p:nvGrpSpPr>
+        <p:cNvPr id="1" name=""/>
+        <p:cNvGrpSpPr/>
+        <p:nvPr/>
+      </p:nvGrpSpPr>
+      <p:grpSpPr>
+        <a:xfrm>
+          <a:off x="0" y="0"/>
+          <a:ext cx="0" cy="0"/>
+          <a:chOff x="0" y="0"/>
+          <a:chExt cx="0" cy="0"/>
+        </a:xfrm>
+      </p:grpSpPr>
+      <p:pic>
+        <p:nvPicPr>
+          <p:cNvPr id="3" name="Picture 2"/>
+          <p:cNvPicPr>
+            <a:picLocks noChangeAspect="1"/>
+          </p:cNvPicPr>
+          <p:nvPr/>
+        </p:nvPicPr>
+        <p:blipFill>
+          <a:blip r:embed="rId2"/>
+          <a:stretch>
+            <a:fillRect/>
+          </a:stretch>
+        </p:blipFill>
+        <p:spPr>
+          <a:xfrm>
+            <a:off x="3232915" y="0"/>
+            <a:ext cx="5726169" cy="6858000"/>
+          </a:xfrm>
+          <a:prstGeom prst="rect">
+            <a:avLst/>
+          </a:prstGeom>
+        </p:spPr>
+      </p:pic>
+    </p:spTree>
+    <p:extLst>
+      <p:ext uri="{BB962C8B-B14F-4D97-AF65-F5344CB8AC3E}">
+        <p14:creationId xmlns:p14="http://schemas.microsoft.com/office/powerpoint/2010/main" val="1366104484"/>
+      </p:ext>
+    </p:extLst>
+  </p:cSld>
+  <p:clrMapOvr>
+    <a:masterClrMapping/>
+  </p:clrMapOvr>
+</p:sld>
+</file>
+
+<file path=ppt/slides/slide5.xml><?xml version="1.0" encoding="utf-8"?>
+<p:sld xmlns:a="http://schemas.openxmlformats.org/drawingml/2006/main" xmlns:r="http://schemas.openxmlformats.org/officeDocument/2006/relationships" xmlns:p="http://schemas.openxmlformats.org/presentationml/2006/main">
+  <p:cSld>
+    <p:spTree>
+      <p:nvGrpSpPr>
+        <p:cNvPr id="1" name=""/>
+        <p:cNvGrpSpPr/>
+        <p:nvPr/>
+      </p:nvGrpSpPr>
+      <p:grpSpPr>
+        <a:xfrm>
+          <a:off x="0" y="0"/>
+          <a:ext cx="0" cy="0"/>
+          <a:chOff x="0" y="0"/>
+          <a:chExt cx="0" cy="0"/>
+        </a:xfrm>
+      </p:grpSpPr>
+      <p:sp>
+        <p:nvSpPr>
+          <p:cNvPr id="5" name="Title 4"/>
+          <p:cNvSpPr>
+            <a:spLocks noGrp="1"/>
+          </p:cNvSpPr>
+          <p:nvPr>
+            <p:ph type="title"/>
+          </p:nvPr>
+        </p:nvSpPr>
+        <p:spPr/>
+        <p:txBody>
+          <a:bodyPr/>
+          <a:lstStyle/>
+          <a:p>
+            <a:endParaRPr lang="en-US"/>
+          </a:p>
+        </p:txBody>
+      </p:sp>
+      <p:pic>
+        <p:nvPicPr>
+          <p:cNvPr id="7" name="Content Placeholder 6"/>
+          <p:cNvPicPr>
+            <a:picLocks noGrp="1" noChangeAspect="1"/>
+          </p:cNvPicPr>
+          <p:nvPr>
+            <p:ph idx="1"/>
+          </p:nvPr>
+        </p:nvPicPr>
+        <p:blipFill>
+          <a:blip r:embed="rId2"/>
+          <a:stretch>
+            <a:fillRect/>
+          </a:stretch>
+        </p:blipFill>
+        <p:spPr>
+          <a:xfrm>
+            <a:off x="2782562" y="173759"/>
+            <a:ext cx="5294638" cy="6891015"/>
+          </a:xfrm>
+          <a:prstGeom prst="rect">
+            <a:avLst/>
+          </a:prstGeom>
+        </p:spPr>
+      </p:pic>
+    </p:spTree>
+    <p:extLst>
+      <p:ext uri="{BB962C8B-B14F-4D97-AF65-F5344CB8AC3E}">
+        <p14:creationId xmlns:p14="http://schemas.microsoft.com/office/powerpoint/2010/main" val="3119661524"/>
+      </p:ext>
+    </p:extLst>
+  </p:cSld>
+  <p:clrMapOvr>
+    <a:masterClrMapping/>
+  </p:clrMapOvr>
+</p:sld>
+</file>
+
+<file path=ppt/slides/slide6.xml><?xml version="1.0" encoding="utf-8"?>
+<p:sld xmlns:a="http://schemas.openxmlformats.org/drawingml/2006/main" xmlns:r="http://schemas.openxmlformats.org/officeDocument/2006/relationships" xmlns:p="http://schemas.openxmlformats.org/presentationml/2006/main">
+  <p:cSld>
+    <p:spTree>
+      <p:nvGrpSpPr>
+        <p:cNvPr id="1" name=""/>
+        <p:cNvGrpSpPr/>
+        <p:nvPr/>
+      </p:nvGrpSpPr>
+      <p:grpSpPr>
+        <a:xfrm>
+          <a:off x="0" y="0"/>
+          <a:ext cx="0" cy="0"/>
+          <a:chOff x="0" y="0"/>
+          <a:chExt cx="0" cy="0"/>
+        </a:xfrm>
+      </p:grpSpPr>
+      <p:sp>
+        <p:nvSpPr>
           <p:cNvPr id="2" name="Title 1"/>
           <p:cNvSpPr>
             <a:spLocks noGrp="1"/>
@@ -4259,7 +4527,7 @@
 </p:sld>
 </file>
 
-<file path=ppt/slides/slide4.xml><?xml version="1.0" encoding="utf-8"?>
+<file path=ppt/slides/slide7.xml><?xml version="1.0" encoding="utf-8"?>
 <p:sld xmlns:a="http://schemas.openxmlformats.org/drawingml/2006/main" xmlns:r="http://schemas.openxmlformats.org/officeDocument/2006/relationships" xmlns:p="http://schemas.openxmlformats.org/presentationml/2006/main">
   <p:cSld>
     <p:spTree>
@@ -4475,7 +4743,7 @@
 </p:sld>
 </file>
 
-<file path=ppt/slides/slide5.xml><?xml version="1.0" encoding="utf-8"?>
+<file path=ppt/slides/slide8.xml><?xml version="1.0" encoding="utf-8"?>
 <p:sld xmlns:a="http://schemas.openxmlformats.org/drawingml/2006/main" xmlns:r="http://schemas.openxmlformats.org/officeDocument/2006/relationships" xmlns:p="http://schemas.openxmlformats.org/presentationml/2006/main">
   <p:cSld>
     <p:spTree>
@@ -4801,7 +5069,7 @@
 </p:sld>
 </file>
 
-<file path=ppt/slides/slide6.xml><?xml version="1.0" encoding="utf-8"?>
+<file path=ppt/slides/slide9.xml><?xml version="1.0" encoding="utf-8"?>
 <p:sld xmlns:a="http://schemas.openxmlformats.org/drawingml/2006/main" xmlns:r="http://schemas.openxmlformats.org/officeDocument/2006/relationships" xmlns:p="http://schemas.openxmlformats.org/presentationml/2006/main">
   <p:cSld>
     <p:spTree>
